--- a/posts/2023/Lifestyle/QuartoBasics.pptx
+++ b/posts/2023/Lifestyle/QuartoBasics.pptx
@@ -4613,8 +4613,8 @@
                       <m:d>
                         <m:dPr>
                           <m:begChr m:val="["/>
+                          <m:sepChr m:val=""/>
                           <m:endChr m:val="]"/>
-                          <m:sepChr m:val=""/>
                           <m:grow/>
                         </m:dPr>
                         <m:e>
